--- a/Präsentationen/2_Präsentation.pptx
+++ b/Präsentationen/2_Präsentation.pptx
@@ -11,12 +11,12 @@
     <p:sldId id="258" r:id="rId5"/>
     <p:sldId id="259" r:id="rId6"/>
     <p:sldId id="266" r:id="rId7"/>
-    <p:sldId id="260" r:id="rId8"/>
-    <p:sldId id="265" r:id="rId9"/>
-    <p:sldId id="261" r:id="rId10"/>
-    <p:sldId id="264" r:id="rId11"/>
-    <p:sldId id="262" r:id="rId12"/>
-    <p:sldId id="263" r:id="rId13"/>
+    <p:sldId id="261" r:id="rId8"/>
+    <p:sldId id="264" r:id="rId9"/>
+    <p:sldId id="262" r:id="rId10"/>
+    <p:sldId id="263" r:id="rId11"/>
+    <p:sldId id="260" r:id="rId12"/>
+    <p:sldId id="265" r:id="rId13"/>
     <p:sldId id="267" r:id="rId14"/>
   </p:sldIdLst>
   <p:sldSz cx="12192000" cy="6858000"/>
@@ -116,6 +116,11 @@
       </a:defRPr>
     </a:lvl9pPr>
   </p:defaultTextStyle>
+  <p:extLst>
+    <p:ext uri="{EFAFB233-063F-42B5-8137-9DF3F51BA10A}">
+      <p15:sldGuideLst xmlns:p15="http://schemas.microsoft.com/office/powerpoint/2012/main"/>
+    </p:ext>
+  </p:extLst>
 </p:presentation>
 </file>
 
@@ -401,7 +406,7 @@
           <a:p>
             <a:fld id="{78ABE3C1-DBE1-495D-B57B-2849774B866A}" type="datetimeFigureOut">
               <a:rPr lang="en-US" dirty="0"/>
-              <a:t>12/12/2020</a:t>
+              <a:t>12/13/2020</a:t>
             </a:fld>
             <a:endParaRPr lang="en-US" dirty="0"/>
           </a:p>
@@ -810,7 +815,7 @@
           <a:p>
             <a:fld id="{446C117F-5CCF-4837-BE5F-2B92066CAFAF}" type="datetimeFigureOut">
               <a:rPr lang="en-US" dirty="0"/>
-              <a:t>12/12/2020</a:t>
+              <a:t>12/13/2020</a:t>
             </a:fld>
             <a:endParaRPr lang="en-US" dirty="0"/>
           </a:p>
@@ -1141,7 +1146,7 @@
           <a:p>
             <a:fld id="{84EB90BD-B6CE-46B7-997F-7313B992CCDC}" type="datetimeFigureOut">
               <a:rPr lang="en-US" dirty="0"/>
-              <a:t>12/12/2020</a:t>
+              <a:t>12/13/2020</a:t>
             </a:fld>
             <a:endParaRPr lang="en-US" dirty="0"/>
           </a:p>
@@ -1541,7 +1546,7 @@
           <a:p>
             <a:fld id="{CDB9D11F-B188-461D-B23F-39381795C052}" type="datetimeFigureOut">
               <a:rPr lang="en-US" dirty="0"/>
-              <a:t>12/12/2020</a:t>
+              <a:t>12/13/2020</a:t>
             </a:fld>
             <a:endParaRPr lang="en-US" dirty="0"/>
           </a:p>
@@ -2104,7 +2109,7 @@
           <a:p>
             <a:fld id="{52E6D8D9-55A2-4063-B0F3-121F44549695}" type="datetimeFigureOut">
               <a:rPr lang="en-US" dirty="0"/>
-              <a:t>12/12/2020</a:t>
+              <a:t>12/13/2020</a:t>
             </a:fld>
             <a:endParaRPr lang="en-US" dirty="0"/>
           </a:p>
@@ -2780,7 +2785,7 @@
           <a:p>
             <a:fld id="{D4B24536-994D-4021-A283-9F449C0DB509}" type="datetimeFigureOut">
               <a:rPr lang="en-US" dirty="0"/>
-              <a:t>12/12/2020</a:t>
+              <a:t>12/13/2020</a:t>
             </a:fld>
             <a:endParaRPr lang="en-US" dirty="0"/>
           </a:p>
@@ -3688,7 +3693,7 @@
           <a:p>
             <a:fld id="{3CBBBB78-C96F-47B7-AB17-D852CA960AC9}" type="datetimeFigureOut">
               <a:rPr lang="en-US" dirty="0"/>
-              <a:t>12/12/2020</a:t>
+              <a:t>12/13/2020</a:t>
             </a:fld>
             <a:endParaRPr lang="en-US" dirty="0"/>
           </a:p>
@@ -3996,7 +4001,7 @@
           <a:p>
             <a:fld id="{1FA3F48C-C7C6-4055-9F49-3777875E72AE}" type="datetimeFigureOut">
               <a:rPr lang="en-US" dirty="0"/>
-              <a:t>12/12/2020</a:t>
+              <a:t>12/13/2020</a:t>
             </a:fld>
             <a:endParaRPr lang="en-US" dirty="0"/>
           </a:p>
@@ -4255,7 +4260,7 @@
           <a:p>
             <a:fld id="{6178E61D-D431-422C-9764-11DAFE33AB63}" type="datetimeFigureOut">
               <a:rPr lang="en-US" dirty="0"/>
-              <a:t>12/12/2020</a:t>
+              <a:t>12/13/2020</a:t>
             </a:fld>
             <a:endParaRPr lang="en-US" dirty="0"/>
           </a:p>
@@ -4473,7 +4478,7 @@
           <a:p>
             <a:fld id="{78ABE3C1-DBE1-495D-B57B-2849774B866A}" type="datetimeFigureOut">
               <a:rPr lang="en-US" smtClean="0"/>
-              <a:t>12/12/2020</a:t>
+              <a:t>12/13/2020</a:t>
             </a:fld>
             <a:endParaRPr lang="en-US" dirty="0"/>
           </a:p>
@@ -4671,7 +4676,7 @@
           <a:p>
             <a:fld id="{12DE42F4-6EEF-4EF7-8ED4-2208F0F89A08}" type="datetimeFigureOut">
               <a:rPr lang="en-US" smtClean="0"/>
-              <a:t>12/12/2020</a:t>
+              <a:t>12/13/2020</a:t>
             </a:fld>
             <a:endParaRPr lang="en-US" dirty="0"/>
           </a:p>
@@ -4992,7 +4997,7 @@
           <a:p>
             <a:fld id="{12DE42F4-6EEF-4EF7-8ED4-2208F0F89A08}" type="datetimeFigureOut">
               <a:rPr lang="en-US" dirty="0"/>
-              <a:t>12/12/2020</a:t>
+              <a:t>12/13/2020</a:t>
             </a:fld>
             <a:endParaRPr lang="en-US" dirty="0"/>
           </a:p>
@@ -5250,7 +5255,7 @@
           <a:p>
             <a:fld id="{30578ACC-22D6-47C1-A373-4FD133E34F3C}" type="datetimeFigureOut">
               <a:rPr lang="en-US" smtClean="0"/>
-              <a:t>12/12/2020</a:t>
+              <a:t>12/13/2020</a:t>
             </a:fld>
             <a:endParaRPr lang="en-US" dirty="0"/>
           </a:p>
@@ -5515,7 +5520,7 @@
           <a:p>
             <a:fld id="{4E5A6C69-6797-4E8A-BF37-F2C3751466E9}" type="datetimeFigureOut">
               <a:rPr lang="en-US" smtClean="0"/>
-              <a:t>12/12/2020</a:t>
+              <a:t>12/13/2020</a:t>
             </a:fld>
             <a:endParaRPr lang="en-US" dirty="0"/>
           </a:p>
@@ -5927,7 +5932,7 @@
           <a:p>
             <a:fld id="{D82014A1-A632-4878-A0D3-F52BA7563730}" type="datetimeFigureOut">
               <a:rPr lang="en-US" smtClean="0"/>
-              <a:t>12/12/2020</a:t>
+              <a:t>12/13/2020</a:t>
             </a:fld>
             <a:endParaRPr lang="en-US" dirty="0"/>
           </a:p>
@@ -6068,7 +6073,7 @@
           <a:p>
             <a:fld id="{CE99F462-093F-4566-844B-4C71F2739DA5}" type="datetimeFigureOut">
               <a:rPr lang="en-US" smtClean="0"/>
-              <a:t>12/12/2020</a:t>
+              <a:t>12/13/2020</a:t>
             </a:fld>
             <a:endParaRPr lang="en-US" dirty="0"/>
           </a:p>
@@ -6181,7 +6186,7 @@
           <a:p>
             <a:fld id="{3D24A7AC-904D-4781-85BA-7D10C17ED021}" type="datetimeFigureOut">
               <a:rPr lang="en-US" smtClean="0"/>
-              <a:t>12/12/2020</a:t>
+              <a:t>12/13/2020</a:t>
             </a:fld>
             <a:endParaRPr lang="en-US" dirty="0"/>
           </a:p>
@@ -6492,7 +6497,7 @@
           <a:p>
             <a:fld id="{E331444B-B92B-4E27-8C94-BB93EAF5CB18}" type="datetimeFigureOut">
               <a:rPr lang="en-US" smtClean="0"/>
-              <a:t>12/12/2020</a:t>
+              <a:t>12/13/2020</a:t>
             </a:fld>
             <a:endParaRPr lang="en-US" dirty="0"/>
           </a:p>
@@ -6780,7 +6785,7 @@
           <a:p>
             <a:fld id="{363EFA5E-FA76-400D-B3DC-F0BA90E6D107}" type="datetimeFigureOut">
               <a:rPr lang="en-US" smtClean="0"/>
-              <a:t>12/12/2020</a:t>
+              <a:t>12/13/2020</a:t>
             </a:fld>
             <a:endParaRPr lang="en-US" dirty="0"/>
           </a:p>
@@ -6978,7 +6983,7 @@
           <a:p>
             <a:fld id="{1FA3F48C-C7C6-4055-9F49-3777875E72AE}" type="datetimeFigureOut">
               <a:rPr lang="en-US" smtClean="0"/>
-              <a:t>12/12/2020</a:t>
+              <a:t>12/13/2020</a:t>
             </a:fld>
             <a:endParaRPr lang="en-US" dirty="0"/>
           </a:p>
@@ -7186,7 +7191,7 @@
           <a:p>
             <a:fld id="{6178E61D-D431-422C-9764-11DAFE33AB63}" type="datetimeFigureOut">
               <a:rPr lang="en-US" smtClean="0"/>
-              <a:t>12/12/2020</a:t>
+              <a:t>12/13/2020</a:t>
             </a:fld>
             <a:endParaRPr lang="en-US" dirty="0"/>
           </a:p>
@@ -7588,7 +7593,7 @@
           <a:p>
             <a:fld id="{30578ACC-22D6-47C1-A373-4FD133E34F3C}" type="datetimeFigureOut">
               <a:rPr lang="en-US" dirty="0"/>
-              <a:t>12/12/2020</a:t>
+              <a:t>12/13/2020</a:t>
             </a:fld>
             <a:endParaRPr lang="en-US" dirty="0"/>
           </a:p>
@@ -7959,7 +7964,7 @@
           <a:p>
             <a:fld id="{4E5A6C69-6797-4E8A-BF37-F2C3751466E9}" type="datetimeFigureOut">
               <a:rPr lang="en-US" dirty="0"/>
-              <a:t>12/12/2020</a:t>
+              <a:t>12/13/2020</a:t>
             </a:fld>
             <a:endParaRPr lang="en-US" dirty="0"/>
           </a:p>
@@ -8460,7 +8465,7 @@
           <a:p>
             <a:fld id="{D82014A1-A632-4878-A0D3-F52BA7563730}" type="datetimeFigureOut">
               <a:rPr lang="en-US" dirty="0"/>
-              <a:t>12/12/2020</a:t>
+              <a:t>12/13/2020</a:t>
             </a:fld>
             <a:endParaRPr lang="en-US" dirty="0"/>
           </a:p>
@@ -8712,7 +8717,7 @@
           <a:p>
             <a:fld id="{CE99F462-093F-4566-844B-4C71F2739DA5}" type="datetimeFigureOut">
               <a:rPr lang="en-US" dirty="0"/>
-              <a:t>12/12/2020</a:t>
+              <a:t>12/13/2020</a:t>
             </a:fld>
             <a:endParaRPr lang="en-US" dirty="0"/>
           </a:p>
@@ -8870,7 +8875,7 @@
           <a:p>
             <a:fld id="{3D24A7AC-904D-4781-85BA-7D10C17ED021}" type="datetimeFigureOut">
               <a:rPr lang="en-US" dirty="0"/>
-              <a:t>12/12/2020</a:t>
+              <a:t>12/13/2020</a:t>
             </a:fld>
             <a:endParaRPr lang="en-US" dirty="0"/>
           </a:p>
@@ -9255,7 +9260,7 @@
           <a:p>
             <a:fld id="{E331444B-B92B-4E27-8C94-BB93EAF5CB18}" type="datetimeFigureOut">
               <a:rPr lang="en-US" dirty="0"/>
-              <a:t>12/12/2020</a:t>
+              <a:t>12/13/2020</a:t>
             </a:fld>
             <a:endParaRPr lang="en-US" dirty="0"/>
           </a:p>
@@ -9659,7 +9664,7 @@
           <a:p>
             <a:fld id="{363EFA5E-FA76-400D-B3DC-F0BA90E6D107}" type="datetimeFigureOut">
               <a:rPr lang="en-US" dirty="0"/>
-              <a:t>12/12/2020</a:t>
+              <a:t>12/13/2020</a:t>
             </a:fld>
             <a:endParaRPr lang="en-US" dirty="0"/>
           </a:p>
@@ -9898,7 +9903,7 @@
           <a:p>
             <a:fld id="{9D6E9DEC-419B-4CC5-A080-3B06BD5A8291}" type="datetimeFigureOut">
               <a:rPr lang="en-US" dirty="0"/>
-              <a:t>12/12/2020</a:t>
+              <a:t>12/13/2020</a:t>
             </a:fld>
             <a:endParaRPr lang="en-US" dirty="0"/>
           </a:p>
@@ -10457,7 +10462,7 @@
           <a:p>
             <a:fld id="{9D6E9DEC-419B-4CC5-A080-3B06BD5A8291}" type="datetimeFigureOut">
               <a:rPr lang="en-US" smtClean="0"/>
-              <a:t>12/12/2020</a:t>
+              <a:t>12/13/2020</a:t>
             </a:fld>
             <a:endParaRPr lang="en-US" dirty="0"/>
           </a:p>
@@ -10971,7 +10976,7 @@
           <p:cNvPr id="2" name="Titel 1">
             <a:extLst>
               <a:ext uri="{FF2B5EF4-FFF2-40B4-BE49-F238E27FC236}">
-                <a16:creationId xmlns:a16="http://schemas.microsoft.com/office/drawing/2014/main" id="{E8391C01-BD13-436D-BCDF-C53FD6F983C1}"/>
+                <a16:creationId xmlns:a16="http://schemas.microsoft.com/office/drawing/2014/main" id="{52A504C9-B461-4AF4-AF2F-196FC3ABF9CE}"/>
               </a:ext>
             </a:extLst>
           </p:cNvPr>
@@ -10989,22 +10994,17 @@
           <a:p>
             <a:r>
               <a:rPr lang="de-DE" dirty="0"/>
-              <a:t>Package: </a:t>
-            </a:r>
-            <a:r>
-              <a:rPr lang="de-DE" dirty="0" err="1"/>
-              <a:t>LearnSets</a:t>
-            </a:r>
-            <a:endParaRPr lang="de-DE" dirty="0"/>
+              <a:t>Package: Chats</a:t>
+            </a:r>
           </a:p>
         </p:txBody>
       </p:sp>
       <p:pic>
         <p:nvPicPr>
-          <p:cNvPr id="5" name="Inhaltsplatzhalter 4" descr="Ein Bild, das Text, Wand, Screenshot enthält.&#10;&#10;Automatisch generierte Beschreibung">
+          <p:cNvPr id="5" name="Inhaltsplatzhalter 4" descr="Ein Bild, das Text enthält.&#10;&#10;Automatisch generierte Beschreibung">
             <a:extLst>
               <a:ext uri="{FF2B5EF4-FFF2-40B4-BE49-F238E27FC236}">
-                <a16:creationId xmlns:a16="http://schemas.microsoft.com/office/drawing/2014/main" id="{C435C3BF-17D8-4105-BD78-259639B4B552}"/>
+                <a16:creationId xmlns:a16="http://schemas.microsoft.com/office/drawing/2014/main" id="{BF9887C1-F885-4C68-AF83-E55B76143604}"/>
               </a:ext>
             </a:extLst>
           </p:cNvPr>
@@ -11023,8 +11023,8 @@
         </p:blipFill>
         <p:spPr>
           <a:xfrm>
-            <a:off x="5628329" y="1984375"/>
-            <a:ext cx="6563671" cy="4873625"/>
+            <a:off x="7212462" y="2336800"/>
+            <a:ext cx="4475851" cy="3598863"/>
           </a:xfrm>
         </p:spPr>
       </p:pic>
@@ -11033,7 +11033,7 @@
           <p:cNvPr id="6" name="Inhaltsplatzhalter 2">
             <a:extLst>
               <a:ext uri="{FF2B5EF4-FFF2-40B4-BE49-F238E27FC236}">
-                <a16:creationId xmlns:a16="http://schemas.microsoft.com/office/drawing/2014/main" id="{D742D3C3-B8B4-451A-B108-22AF57E37265}"/>
+                <a16:creationId xmlns:a16="http://schemas.microsoft.com/office/drawing/2014/main" id="{F351546F-28B9-4AAB-9D9A-62EC0E83B910}"/>
               </a:ext>
             </a:extLst>
           </p:cNvPr>
@@ -11044,8 +11044,8 @@
         </p:nvSpPr>
         <p:spPr>
           <a:xfrm>
-            <a:off x="394572" y="2317823"/>
-            <a:ext cx="4991816" cy="3599316"/>
+            <a:off x="680322" y="2336873"/>
+            <a:ext cx="6306266" cy="3599316"/>
           </a:xfrm>
           <a:prstGeom prst="rect">
             <a:avLst/>
@@ -11222,7 +11222,25 @@
           <a:p>
             <a:r>
               <a:rPr lang="de-DE" dirty="0"/>
-              <a:t>Man kann </a:t>
+              <a:t>Benutzer können untereinander kommunizieren</a:t>
+            </a:r>
+          </a:p>
+          <a:p>
+            <a:r>
+              <a:rPr lang="de-DE" dirty="0"/>
+              <a:t>Benutzer können Gruppen erstellen</a:t>
+            </a:r>
+          </a:p>
+          <a:p>
+            <a:r>
+              <a:rPr lang="de-DE" dirty="0"/>
+              <a:t>Gruppen können gemeinsam Kartensets bearbeiten</a:t>
+            </a:r>
+          </a:p>
+          <a:p>
+            <a:r>
+              <a:rPr lang="de-DE" dirty="0"/>
+              <a:t>Benutzer können </a:t>
             </a:r>
             <a:r>
               <a:rPr lang="de-DE" dirty="0" err="1"/>
@@ -11230,72 +11248,10 @@
             </a:r>
             <a:r>
               <a:rPr lang="de-DE" dirty="0"/>
-              <a:t> erstellen</a:t>
-            </a:r>
-          </a:p>
-          <a:p>
-            <a:r>
-              <a:rPr lang="de-DE" dirty="0" err="1"/>
-              <a:t>Lernsets</a:t>
-            </a:r>
-            <a:r>
-              <a:rPr lang="de-DE" dirty="0"/>
-              <a:t> bestehen aus Karten</a:t>
-            </a:r>
-          </a:p>
-          <a:p>
-            <a:r>
-              <a:rPr lang="de-DE" dirty="0" err="1"/>
-              <a:t>Lernsets</a:t>
-            </a:r>
-            <a:r>
-              <a:rPr lang="de-DE" dirty="0"/>
-              <a:t> können abonniert werden</a:t>
-            </a:r>
-          </a:p>
-          <a:p>
-            <a:r>
-              <a:rPr lang="de-DE" dirty="0"/>
-              <a:t>Aus einem </a:t>
-            </a:r>
-            <a:r>
-              <a:rPr lang="de-DE" dirty="0" err="1"/>
-              <a:t>LearnSetAbo</a:t>
-            </a:r>
-            <a:r>
-              <a:rPr lang="de-DE" dirty="0"/>
-              <a:t> wird eine </a:t>
-            </a:r>
-            <a:r>
-              <a:rPr lang="de-DE" dirty="0" err="1"/>
-              <a:t>LearningSession</a:t>
-            </a:r>
-            <a:r>
-              <a:rPr lang="de-DE" dirty="0"/>
-              <a:t> entstehen</a:t>
-            </a:r>
-          </a:p>
-          <a:p>
-            <a:r>
-              <a:rPr lang="de-DE" dirty="0" err="1"/>
-              <a:t>LearnSets</a:t>
-            </a:r>
-            <a:r>
-              <a:rPr lang="de-DE" dirty="0"/>
-              <a:t>/</a:t>
-            </a:r>
-            <a:r>
-              <a:rPr lang="de-DE" dirty="0" err="1"/>
-              <a:t>LearningSessions</a:t>
-            </a:r>
-            <a:r>
-              <a:rPr lang="de-DE" dirty="0"/>
-              <a:t> enthalten </a:t>
-            </a:r>
-            <a:r>
-              <a:rPr lang="de-DE" dirty="0" err="1"/>
-              <a:t>CardLists</a:t>
-            </a:r>
+              <a:t> kommentieren und Feedback geben</a:t>
+            </a:r>
+          </a:p>
+          <a:p>
             <a:endParaRPr lang="de-DE" dirty="0"/>
           </a:p>
           <a:p>
@@ -11306,7 +11262,7 @@
     </p:spTree>
     <p:extLst>
       <p:ext uri="{BB962C8B-B14F-4D97-AF65-F5344CB8AC3E}">
-        <p14:creationId xmlns:p14="http://schemas.microsoft.com/office/powerpoint/2010/main" val="3036914175"/>
+        <p14:creationId xmlns:p14="http://schemas.microsoft.com/office/powerpoint/2010/main" val="1087696080"/>
       </p:ext>
     </p:extLst>
   </p:cSld>
@@ -11338,7 +11294,7 @@
           <p:cNvPr id="2" name="Titel 1">
             <a:extLst>
               <a:ext uri="{FF2B5EF4-FFF2-40B4-BE49-F238E27FC236}">
-                <a16:creationId xmlns:a16="http://schemas.microsoft.com/office/drawing/2014/main" id="{638C8438-9019-4D2D-9AB9-77E8F084F0F9}"/>
+                <a16:creationId xmlns:a16="http://schemas.microsoft.com/office/drawing/2014/main" id="{5DC0B925-B670-4D4C-AE28-CDB848EE3034}"/>
               </a:ext>
             </a:extLst>
           </p:cNvPr>
@@ -11356,22 +11312,17 @@
           <a:p>
             <a:r>
               <a:rPr lang="de-DE" dirty="0"/>
-              <a:t>Use-Case Diagramm: </a:t>
-            </a:r>
-            <a:r>
-              <a:rPr lang="de-DE" dirty="0" err="1"/>
-              <a:t>LearnSets</a:t>
-            </a:r>
-            <a:endParaRPr lang="de-DE" dirty="0"/>
+              <a:t>Use-Case Diagramm: Chats</a:t>
+            </a:r>
           </a:p>
         </p:txBody>
       </p:sp>
       <p:pic>
         <p:nvPicPr>
-          <p:cNvPr id="5" name="Inhaltsplatzhalter 4">
+          <p:cNvPr id="6" name="Inhaltsplatzhalter 5">
             <a:extLst>
               <a:ext uri="{FF2B5EF4-FFF2-40B4-BE49-F238E27FC236}">
-                <a16:creationId xmlns:a16="http://schemas.microsoft.com/office/drawing/2014/main" id="{C68D0181-0510-4DEB-A1FE-A2FB39FDB66A}"/>
+                <a16:creationId xmlns:a16="http://schemas.microsoft.com/office/drawing/2014/main" id="{55FCE3A8-6892-49E9-8DAA-4CE90870FB01}"/>
               </a:ext>
             </a:extLst>
           </p:cNvPr>
@@ -11389,18 +11340,18 @@
           </a:stretch>
         </p:blipFill>
         <p:spPr>
-          <a:xfrm rot="21444849">
-            <a:off x="5799216" y="1913955"/>
-            <a:ext cx="6296400" cy="4414801"/>
+          <a:xfrm>
+            <a:off x="5520186" y="1553368"/>
+            <a:ext cx="3743540" cy="3598863"/>
           </a:xfrm>
         </p:spPr>
       </p:pic>
       <p:pic>
         <p:nvPicPr>
-          <p:cNvPr id="11" name="Grafik 10">
+          <p:cNvPr id="4" name="Grafik 3">
             <a:extLst>
               <a:ext uri="{FF2B5EF4-FFF2-40B4-BE49-F238E27FC236}">
-                <a16:creationId xmlns:a16="http://schemas.microsoft.com/office/drawing/2014/main" id="{4C39743A-969B-42A6-8706-686EE11B4178}"/>
+                <a16:creationId xmlns:a16="http://schemas.microsoft.com/office/drawing/2014/main" id="{CEA1BDBB-DAD9-4D01-9EBE-448DB6A4B5CF}"/>
               </a:ext>
             </a:extLst>
           </p:cNvPr>
@@ -11416,9 +11367,39 @@
           </a:stretch>
         </p:blipFill>
         <p:spPr>
-          <a:xfrm rot="182322">
-            <a:off x="-1162350" y="2003567"/>
-            <a:ext cx="8793903" cy="5241217"/>
+          <a:xfrm>
+            <a:off x="6173528" y="3279547"/>
+            <a:ext cx="5856547" cy="3488575"/>
+          </a:xfrm>
+          <a:prstGeom prst="rect">
+            <a:avLst/>
+          </a:prstGeom>
+        </p:spPr>
+      </p:pic>
+      <p:pic>
+        <p:nvPicPr>
+          <p:cNvPr id="8" name="Grafik 7">
+            <a:extLst>
+              <a:ext uri="{FF2B5EF4-FFF2-40B4-BE49-F238E27FC236}">
+                <a16:creationId xmlns:a16="http://schemas.microsoft.com/office/drawing/2014/main" id="{346B2C57-E7F1-4BC7-8DE8-B92133D6ACB1}"/>
+              </a:ext>
+            </a:extLst>
+          </p:cNvPr>
+          <p:cNvPicPr>
+            <a:picLocks noChangeAspect="1"/>
+          </p:cNvPicPr>
+          <p:nvPr/>
+        </p:nvPicPr>
+        <p:blipFill>
+          <a:blip r:embed="rId4"/>
+          <a:stretch>
+            <a:fillRect/>
+          </a:stretch>
+        </p:blipFill>
+        <p:spPr>
+          <a:xfrm>
+            <a:off x="76176" y="1657348"/>
+            <a:ext cx="5865216" cy="5200651"/>
           </a:xfrm>
           <a:prstGeom prst="rect">
             <a:avLst/>
@@ -11428,7 +11409,7 @@
     </p:spTree>
     <p:extLst>
       <p:ext uri="{BB962C8B-B14F-4D97-AF65-F5344CB8AC3E}">
-        <p14:creationId xmlns:p14="http://schemas.microsoft.com/office/powerpoint/2010/main" val="1056594466"/>
+        <p14:creationId xmlns:p14="http://schemas.microsoft.com/office/powerpoint/2010/main" val="1634743586"/>
       </p:ext>
     </p:extLst>
   </p:cSld>
@@ -11688,15 +11669,10 @@
           </a:p>
           <a:p>
             <a:r>
-              <a:rPr lang="de-DE" dirty="0"/>
-              <a:t>Erweiterung des Modells</a:t>
-            </a:r>
-          </a:p>
-          <a:p>
-            <a:r>
-              <a:rPr lang="de-DE" dirty="0"/>
+              <a:rPr lang="de-DE"/>
               <a:t>Modulbildung</a:t>
             </a:r>
+            <a:endParaRPr lang="de-DE" dirty="0"/>
           </a:p>
           <a:p>
             <a:endParaRPr lang="de-DE" dirty="0"/>
@@ -11778,10 +11754,10 @@
       </p:sp>
       <p:pic>
         <p:nvPicPr>
-          <p:cNvPr id="5" name="Inhaltsplatzhalter 4" descr="Ein Bild, das Text, Wand enthält.&#10;&#10;Automatisch generierte Beschreibung">
+          <p:cNvPr id="7" name="Grafik 6">
             <a:extLst>
               <a:ext uri="{FF2B5EF4-FFF2-40B4-BE49-F238E27FC236}">
-                <a16:creationId xmlns:a16="http://schemas.microsoft.com/office/drawing/2014/main" id="{738BFBF0-CAB0-4F6D-B844-46F708F21A5E}"/>
+                <a16:creationId xmlns:a16="http://schemas.microsoft.com/office/drawing/2014/main" id="{09CD491B-A53E-49A5-8476-84C9232781C4}"/>
               </a:ext>
             </a:extLst>
           </p:cNvPr>
@@ -11798,16 +11774,12 @@
         </p:blipFill>
         <p:spPr>
           <a:xfrm>
-            <a:off x="1090787" y="94405"/>
-            <a:ext cx="10010425" cy="6732011"/>
+            <a:off x="1400819" y="408463"/>
+            <a:ext cx="9817391" cy="6858000"/>
           </a:xfrm>
           <a:prstGeom prst="rect">
             <a:avLst/>
           </a:prstGeom>
-          <a:ln>
-            <a:noFill/>
-          </a:ln>
-          <a:effectLst/>
         </p:spPr>
       </p:pic>
     </p:spTree>
@@ -12054,19 +12026,17 @@
       </p:sp>
       <p:pic>
         <p:nvPicPr>
-          <p:cNvPr id="6" name="Inhaltsplatzhalter 5">
+          <p:cNvPr id="5" name="Grafik 4">
             <a:extLst>
               <a:ext uri="{FF2B5EF4-FFF2-40B4-BE49-F238E27FC236}">
-                <a16:creationId xmlns:a16="http://schemas.microsoft.com/office/drawing/2014/main" id="{7F84F84D-3A3D-4FAD-BCC5-3703F4644097}"/>
+                <a16:creationId xmlns:a16="http://schemas.microsoft.com/office/drawing/2014/main" id="{51511F4E-6026-4EC0-8289-BBCC10849416}"/>
               </a:ext>
             </a:extLst>
           </p:cNvPr>
           <p:cNvPicPr>
-            <a:picLocks noGrp="1" noChangeAspect="1"/>
+            <a:picLocks noChangeAspect="1"/>
           </p:cNvPicPr>
-          <p:nvPr>
-            <p:ph idx="1"/>
-          </p:nvPr>
+          <p:nvPr/>
         </p:nvPicPr>
         <p:blipFill>
           <a:blip r:embed="rId2"/>
@@ -12076,9 +12046,12 @@
         </p:blipFill>
         <p:spPr>
           <a:xfrm>
-            <a:off x="-186659" y="1834166"/>
-            <a:ext cx="6796344" cy="3598863"/>
-          </a:xfrm>
+            <a:off x="-246006" y="1834166"/>
+            <a:ext cx="7262637" cy="3974248"/>
+          </a:xfrm>
+          <a:prstGeom prst="rect">
+            <a:avLst/>
+          </a:prstGeom>
         </p:spPr>
       </p:pic>
       <p:pic>
@@ -12103,8 +12076,8 @@
         </p:blipFill>
         <p:spPr>
           <a:xfrm>
-            <a:off x="3833814" y="2767013"/>
-            <a:ext cx="8526462" cy="4258616"/>
+            <a:off x="4117122" y="2454355"/>
+            <a:ext cx="8150322" cy="4258616"/>
           </a:xfrm>
           <a:prstGeom prst="rect">
             <a:avLst/>
@@ -12146,7 +12119,7 @@
           <p:cNvPr id="2" name="Titel 1">
             <a:extLst>
               <a:ext uri="{FF2B5EF4-FFF2-40B4-BE49-F238E27FC236}">
-                <a16:creationId xmlns:a16="http://schemas.microsoft.com/office/drawing/2014/main" id="{52A504C9-B461-4AF4-AF2F-196FC3ABF9CE}"/>
+                <a16:creationId xmlns:a16="http://schemas.microsoft.com/office/drawing/2014/main" id="{621B5A19-340F-4671-A478-5A5508E6809B}"/>
               </a:ext>
             </a:extLst>
           </p:cNvPr>
@@ -12164,17 +12137,17 @@
           <a:p>
             <a:r>
               <a:rPr lang="de-DE" dirty="0"/>
-              <a:t>Package: Chats</a:t>
+              <a:t>Package: Card</a:t>
             </a:r>
           </a:p>
         </p:txBody>
       </p:sp>
       <p:pic>
         <p:nvPicPr>
-          <p:cNvPr id="5" name="Inhaltsplatzhalter 4" descr="Ein Bild, das Text enthält.&#10;&#10;Automatisch generierte Beschreibung">
+          <p:cNvPr id="4" name="Inhaltsplatzhalter 3">
             <a:extLst>
               <a:ext uri="{FF2B5EF4-FFF2-40B4-BE49-F238E27FC236}">
-                <a16:creationId xmlns:a16="http://schemas.microsoft.com/office/drawing/2014/main" id="{BF9887C1-F885-4C68-AF83-E55B76143604}"/>
+                <a16:creationId xmlns:a16="http://schemas.microsoft.com/office/drawing/2014/main" id="{EFF2F34D-C03E-4BB1-8804-281C37FCFF94}"/>
               </a:ext>
             </a:extLst>
           </p:cNvPr>
@@ -12193,17 +12166,20 @@
         </p:blipFill>
         <p:spPr>
           <a:xfrm>
-            <a:off x="7212462" y="2336800"/>
-            <a:ext cx="4475851" cy="3598863"/>
-          </a:xfrm>
+            <a:off x="-35388" y="1941436"/>
+            <a:ext cx="7506937" cy="5020779"/>
+          </a:xfrm>
+          <a:prstGeom prst="rect">
+            <a:avLst/>
+          </a:prstGeom>
         </p:spPr>
       </p:pic>
       <p:sp>
         <p:nvSpPr>
-          <p:cNvPr id="6" name="Inhaltsplatzhalter 2">
+          <p:cNvPr id="5" name="Inhaltsplatzhalter 2">
             <a:extLst>
               <a:ext uri="{FF2B5EF4-FFF2-40B4-BE49-F238E27FC236}">
-                <a16:creationId xmlns:a16="http://schemas.microsoft.com/office/drawing/2014/main" id="{F351546F-28B9-4AAB-9D9A-62EC0E83B910}"/>
+                <a16:creationId xmlns:a16="http://schemas.microsoft.com/office/drawing/2014/main" id="{09E77E59-A376-45A2-9F6D-8AB6E009735F}"/>
               </a:ext>
             </a:extLst>
           </p:cNvPr>
@@ -12214,8 +12190,8 @@
         </p:nvSpPr>
         <p:spPr>
           <a:xfrm>
-            <a:off x="680322" y="2336873"/>
-            <a:ext cx="6306266" cy="3599316"/>
+            <a:off x="7404874" y="2308298"/>
+            <a:ext cx="4648916" cy="3599316"/>
           </a:xfrm>
           <a:prstGeom prst="rect">
             <a:avLst/>
@@ -12392,37 +12368,20 @@
           <a:p>
             <a:r>
               <a:rPr lang="de-DE" dirty="0"/>
-              <a:t>Benutzer können untereinander kommunizieren</a:t>
+              <a:t>Karten können verschiedene Inhalte haben (Text, Ton, Bild oder Video)</a:t>
             </a:r>
           </a:p>
           <a:p>
             <a:r>
               <a:rPr lang="de-DE" dirty="0"/>
-              <a:t>Benutzer können Gruppen erstellen</a:t>
+              <a:t>Karten haben ein Wissenslevel</a:t>
             </a:r>
           </a:p>
           <a:p>
             <a:r>
               <a:rPr lang="de-DE" dirty="0"/>
-              <a:t>Gruppen können gemeinsam Kartensets bearbeiten</a:t>
-            </a:r>
-          </a:p>
-          <a:p>
-            <a:r>
-              <a:rPr lang="de-DE" dirty="0"/>
-              <a:t>Benutzer können </a:t>
-            </a:r>
-            <a:r>
-              <a:rPr lang="de-DE" dirty="0" err="1"/>
-              <a:t>Lernsets</a:t>
-            </a:r>
-            <a:r>
-              <a:rPr lang="de-DE" dirty="0"/>
-              <a:t> kommentieren und Feedback geben</a:t>
-            </a:r>
-          </a:p>
-          <a:p>
-            <a:endParaRPr lang="de-DE" dirty="0"/>
+              <a:t>Karten müssen von Benutzern erstellt werden</a:t>
+            </a:r>
           </a:p>
           <a:p>
             <a:endParaRPr lang="de-DE" dirty="0"/>
@@ -12432,7 +12391,7 @@
     </p:spTree>
     <p:extLst>
       <p:ext uri="{BB962C8B-B14F-4D97-AF65-F5344CB8AC3E}">
-        <p14:creationId xmlns:p14="http://schemas.microsoft.com/office/powerpoint/2010/main" val="1087696080"/>
+        <p14:creationId xmlns:p14="http://schemas.microsoft.com/office/powerpoint/2010/main" val="655617395"/>
       </p:ext>
     </p:extLst>
   </p:cSld>
@@ -12464,7 +12423,7 @@
           <p:cNvPr id="2" name="Titel 1">
             <a:extLst>
               <a:ext uri="{FF2B5EF4-FFF2-40B4-BE49-F238E27FC236}">
-                <a16:creationId xmlns:a16="http://schemas.microsoft.com/office/drawing/2014/main" id="{5DC0B925-B670-4D4C-AE28-CDB848EE3034}"/>
+                <a16:creationId xmlns:a16="http://schemas.microsoft.com/office/drawing/2014/main" id="{991B5434-7F5F-4F6C-BCD2-DC2B4E5BCB17}"/>
               </a:ext>
             </a:extLst>
           </p:cNvPr>
@@ -12482,17 +12441,17 @@
           <a:p>
             <a:r>
               <a:rPr lang="de-DE" dirty="0"/>
-              <a:t>Use-Case Diagramm: Chats</a:t>
+              <a:t>Use-Case Diagramm: Card</a:t>
             </a:r>
           </a:p>
         </p:txBody>
       </p:sp>
       <p:pic>
         <p:nvPicPr>
-          <p:cNvPr id="6" name="Inhaltsplatzhalter 5">
+          <p:cNvPr id="5" name="Inhaltsplatzhalter 4">
             <a:extLst>
               <a:ext uri="{FF2B5EF4-FFF2-40B4-BE49-F238E27FC236}">
-                <a16:creationId xmlns:a16="http://schemas.microsoft.com/office/drawing/2014/main" id="{55FCE3A8-6892-49E9-8DAA-4CE90870FB01}"/>
+                <a16:creationId xmlns:a16="http://schemas.microsoft.com/office/drawing/2014/main" id="{092F90E2-6F29-4396-9388-9A741AC5C3EB}"/>
               </a:ext>
             </a:extLst>
           </p:cNvPr>
@@ -12511,75 +12470,15 @@
         </p:blipFill>
         <p:spPr>
           <a:xfrm>
-            <a:off x="5520186" y="1553368"/>
-            <a:ext cx="3743540" cy="3598863"/>
-          </a:xfrm>
-        </p:spPr>
-      </p:pic>
-      <p:pic>
-        <p:nvPicPr>
-          <p:cNvPr id="4" name="Grafik 3">
-            <a:extLst>
-              <a:ext uri="{FF2B5EF4-FFF2-40B4-BE49-F238E27FC236}">
-                <a16:creationId xmlns:a16="http://schemas.microsoft.com/office/drawing/2014/main" id="{CEA1BDBB-DAD9-4D01-9EBE-448DB6A4B5CF}"/>
-              </a:ext>
-            </a:extLst>
-          </p:cNvPr>
-          <p:cNvPicPr>
-            <a:picLocks noChangeAspect="1"/>
-          </p:cNvPicPr>
-          <p:nvPr/>
-        </p:nvPicPr>
-        <p:blipFill>
-          <a:blip r:embed="rId3"/>
-          <a:stretch>
-            <a:fillRect/>
-          </a:stretch>
-        </p:blipFill>
-        <p:spPr>
-          <a:xfrm>
-            <a:off x="6173528" y="3279547"/>
-            <a:ext cx="5856547" cy="3488575"/>
-          </a:xfrm>
-          <a:prstGeom prst="rect">
-            <a:avLst/>
-          </a:prstGeom>
-        </p:spPr>
-      </p:pic>
-      <p:pic>
-        <p:nvPicPr>
-          <p:cNvPr id="8" name="Grafik 7">
-            <a:extLst>
-              <a:ext uri="{FF2B5EF4-FFF2-40B4-BE49-F238E27FC236}">
-                <a16:creationId xmlns:a16="http://schemas.microsoft.com/office/drawing/2014/main" id="{346B2C57-E7F1-4BC7-8DE8-B92133D6ACB1}"/>
-              </a:ext>
-            </a:extLst>
-          </p:cNvPr>
-          <p:cNvPicPr>
-            <a:picLocks noChangeAspect="1"/>
-          </p:cNvPicPr>
-          <p:nvPr/>
-        </p:nvPicPr>
-        <p:blipFill>
-          <a:blip r:embed="rId4"/>
-          <a:stretch>
-            <a:fillRect/>
-          </a:stretch>
-        </p:blipFill>
-        <p:spPr>
-          <a:xfrm>
-            <a:off x="76176" y="1657348"/>
-            <a:ext cx="5865216" cy="5200651"/>
-          </a:xfrm>
-          <a:prstGeom prst="rect">
-            <a:avLst/>
-          </a:prstGeom>
+            <a:off x="1182634" y="1293697"/>
+            <a:ext cx="9280579" cy="5187063"/>
+          </a:xfrm>
         </p:spPr>
       </p:pic>
     </p:spTree>
     <p:extLst>
       <p:ext uri="{BB962C8B-B14F-4D97-AF65-F5344CB8AC3E}">
-        <p14:creationId xmlns:p14="http://schemas.microsoft.com/office/powerpoint/2010/main" val="1634743586"/>
+        <p14:creationId xmlns:p14="http://schemas.microsoft.com/office/powerpoint/2010/main" val="3721061175"/>
       </p:ext>
     </p:extLst>
   </p:cSld>
@@ -12611,7 +12510,7 @@
           <p:cNvPr id="2" name="Titel 1">
             <a:extLst>
               <a:ext uri="{FF2B5EF4-FFF2-40B4-BE49-F238E27FC236}">
-                <a16:creationId xmlns:a16="http://schemas.microsoft.com/office/drawing/2014/main" id="{621B5A19-340F-4671-A478-5A5508E6809B}"/>
+                <a16:creationId xmlns:a16="http://schemas.microsoft.com/office/drawing/2014/main" id="{E8391C01-BD13-436D-BCDF-C53FD6F983C1}"/>
               </a:ext>
             </a:extLst>
           </p:cNvPr>
@@ -12629,17 +12528,22 @@
           <a:p>
             <a:r>
               <a:rPr lang="de-DE" dirty="0"/>
-              <a:t>Package: Card</a:t>
-            </a:r>
+              <a:t>Package: </a:t>
+            </a:r>
+            <a:r>
+              <a:rPr lang="de-DE" dirty="0" err="1"/>
+              <a:t>LearnSets</a:t>
+            </a:r>
+            <a:endParaRPr lang="de-DE" dirty="0"/>
           </a:p>
         </p:txBody>
       </p:sp>
       <p:pic>
         <p:nvPicPr>
-          <p:cNvPr id="4" name="Inhaltsplatzhalter 3">
+          <p:cNvPr id="5" name="Inhaltsplatzhalter 4" descr="Ein Bild, das Text, Wand, Screenshot enthält.&#10;&#10;Automatisch generierte Beschreibung">
             <a:extLst>
               <a:ext uri="{FF2B5EF4-FFF2-40B4-BE49-F238E27FC236}">
-                <a16:creationId xmlns:a16="http://schemas.microsoft.com/office/drawing/2014/main" id="{EFF2F34D-C03E-4BB1-8804-281C37FCFF94}"/>
+                <a16:creationId xmlns:a16="http://schemas.microsoft.com/office/drawing/2014/main" id="{C435C3BF-17D8-4105-BD78-259639B4B552}"/>
               </a:ext>
             </a:extLst>
           </p:cNvPr>
@@ -12658,20 +12562,17 @@
         </p:blipFill>
         <p:spPr>
           <a:xfrm>
-            <a:off x="-35388" y="1941436"/>
-            <a:ext cx="7506937" cy="5020779"/>
-          </a:xfrm>
-          <a:prstGeom prst="rect">
-            <a:avLst/>
-          </a:prstGeom>
+            <a:off x="5628329" y="1984375"/>
+            <a:ext cx="6563671" cy="4873625"/>
+          </a:xfrm>
         </p:spPr>
       </p:pic>
       <p:sp>
         <p:nvSpPr>
-          <p:cNvPr id="5" name="Inhaltsplatzhalter 2">
+          <p:cNvPr id="6" name="Inhaltsplatzhalter 2">
             <a:extLst>
               <a:ext uri="{FF2B5EF4-FFF2-40B4-BE49-F238E27FC236}">
-                <a16:creationId xmlns:a16="http://schemas.microsoft.com/office/drawing/2014/main" id="{09E77E59-A376-45A2-9F6D-8AB6E009735F}"/>
+                <a16:creationId xmlns:a16="http://schemas.microsoft.com/office/drawing/2014/main" id="{D742D3C3-B8B4-451A-B108-22AF57E37265}"/>
               </a:ext>
             </a:extLst>
           </p:cNvPr>
@@ -12682,8 +12583,8 @@
         </p:nvSpPr>
         <p:spPr>
           <a:xfrm>
-            <a:off x="7404874" y="2308298"/>
-            <a:ext cx="4648916" cy="3599316"/>
+            <a:off x="394572" y="2317823"/>
+            <a:ext cx="4991816" cy="3599316"/>
           </a:xfrm>
           <a:prstGeom prst="rect">
             <a:avLst/>
@@ -12860,20 +12761,81 @@
           <a:p>
             <a:r>
               <a:rPr lang="de-DE" dirty="0"/>
-              <a:t>Karten können verschiedene Inhalte haben (Text, Ton, Bild oder Video)</a:t>
-            </a:r>
-          </a:p>
-          <a:p>
+              <a:t>Man kann </a:t>
+            </a:r>
+            <a:r>
+              <a:rPr lang="de-DE" dirty="0" err="1"/>
+              <a:t>Lernsets</a:t>
+            </a:r>
             <a:r>
               <a:rPr lang="de-DE" dirty="0"/>
-              <a:t>Karten haben ein Wissenslevel</a:t>
-            </a:r>
-          </a:p>
-          <a:p>
+              <a:t> erstellen</a:t>
+            </a:r>
+          </a:p>
+          <a:p>
+            <a:r>
+              <a:rPr lang="de-DE" dirty="0" err="1"/>
+              <a:t>Lernsets</a:t>
+            </a:r>
             <a:r>
               <a:rPr lang="de-DE" dirty="0"/>
-              <a:t>Karten müssen von Benutzern erstellt werden</a:t>
-            </a:r>
+              <a:t> bestehen aus Karten</a:t>
+            </a:r>
+          </a:p>
+          <a:p>
+            <a:r>
+              <a:rPr lang="de-DE" dirty="0" err="1"/>
+              <a:t>Lernsets</a:t>
+            </a:r>
+            <a:r>
+              <a:rPr lang="de-DE" dirty="0"/>
+              <a:t> können abonniert werden</a:t>
+            </a:r>
+          </a:p>
+          <a:p>
+            <a:r>
+              <a:rPr lang="de-DE" dirty="0"/>
+              <a:t>Aus einem </a:t>
+            </a:r>
+            <a:r>
+              <a:rPr lang="de-DE" dirty="0" err="1"/>
+              <a:t>LearnSetAbo</a:t>
+            </a:r>
+            <a:r>
+              <a:rPr lang="de-DE" dirty="0"/>
+              <a:t> wird eine </a:t>
+            </a:r>
+            <a:r>
+              <a:rPr lang="de-DE" dirty="0" err="1"/>
+              <a:t>LearningSession</a:t>
+            </a:r>
+            <a:r>
+              <a:rPr lang="de-DE" dirty="0"/>
+              <a:t> entstehen</a:t>
+            </a:r>
+          </a:p>
+          <a:p>
+            <a:r>
+              <a:rPr lang="de-DE" dirty="0" err="1"/>
+              <a:t>LearnSets</a:t>
+            </a:r>
+            <a:r>
+              <a:rPr lang="de-DE" dirty="0"/>
+              <a:t>/</a:t>
+            </a:r>
+            <a:r>
+              <a:rPr lang="de-DE" dirty="0" err="1"/>
+              <a:t>LearningSessions</a:t>
+            </a:r>
+            <a:r>
+              <a:rPr lang="de-DE" dirty="0"/>
+              <a:t> enthalten </a:t>
+            </a:r>
+            <a:r>
+              <a:rPr lang="de-DE" dirty="0" err="1"/>
+              <a:t>CardLists</a:t>
+            </a:r>
+            <a:endParaRPr lang="de-DE" dirty="0"/>
           </a:p>
           <a:p>
             <a:endParaRPr lang="de-DE" dirty="0"/>
@@ -12883,7 +12845,7 @@
     </p:spTree>
     <p:extLst>
       <p:ext uri="{BB962C8B-B14F-4D97-AF65-F5344CB8AC3E}">
-        <p14:creationId xmlns:p14="http://schemas.microsoft.com/office/powerpoint/2010/main" val="655617395"/>
+        <p14:creationId xmlns:p14="http://schemas.microsoft.com/office/powerpoint/2010/main" val="3036914175"/>
       </p:ext>
     </p:extLst>
   </p:cSld>
@@ -12915,7 +12877,7 @@
           <p:cNvPr id="2" name="Titel 1">
             <a:extLst>
               <a:ext uri="{FF2B5EF4-FFF2-40B4-BE49-F238E27FC236}">
-                <a16:creationId xmlns:a16="http://schemas.microsoft.com/office/drawing/2014/main" id="{991B5434-7F5F-4F6C-BCD2-DC2B4E5BCB17}"/>
+                <a16:creationId xmlns:a16="http://schemas.microsoft.com/office/drawing/2014/main" id="{638C8438-9019-4D2D-9AB9-77E8F084F0F9}"/>
               </a:ext>
             </a:extLst>
           </p:cNvPr>
@@ -12933,8 +12895,13 @@
           <a:p>
             <a:r>
               <a:rPr lang="de-DE" dirty="0"/>
-              <a:t>Use-Case Diagramm: Card</a:t>
-            </a:r>
+              <a:t>Use-Case Diagramm: </a:t>
+            </a:r>
+            <a:r>
+              <a:rPr lang="de-DE" dirty="0" err="1"/>
+              <a:t>LearnSets</a:t>
+            </a:r>
+            <a:endParaRPr lang="de-DE" dirty="0"/>
           </a:p>
         </p:txBody>
       </p:sp>
@@ -12943,7 +12910,7 @@
           <p:cNvPr id="5" name="Inhaltsplatzhalter 4">
             <a:extLst>
               <a:ext uri="{FF2B5EF4-FFF2-40B4-BE49-F238E27FC236}">
-                <a16:creationId xmlns:a16="http://schemas.microsoft.com/office/drawing/2014/main" id="{092F90E2-6F29-4396-9388-9A741AC5C3EB}"/>
+                <a16:creationId xmlns:a16="http://schemas.microsoft.com/office/drawing/2014/main" id="{C68D0181-0510-4DEB-A1FE-A2FB39FDB66A}"/>
               </a:ext>
             </a:extLst>
           </p:cNvPr>
@@ -12961,16 +12928,46 @@
           </a:stretch>
         </p:blipFill>
         <p:spPr>
-          <a:xfrm>
-            <a:off x="1182634" y="1293697"/>
-            <a:ext cx="9280579" cy="5187063"/>
-          </a:xfrm>
+          <a:xfrm rot="21444849">
+            <a:off x="5799216" y="1913955"/>
+            <a:ext cx="6296400" cy="4414801"/>
+          </a:xfrm>
+        </p:spPr>
+      </p:pic>
+      <p:pic>
+        <p:nvPicPr>
+          <p:cNvPr id="11" name="Grafik 10">
+            <a:extLst>
+              <a:ext uri="{FF2B5EF4-FFF2-40B4-BE49-F238E27FC236}">
+                <a16:creationId xmlns:a16="http://schemas.microsoft.com/office/drawing/2014/main" id="{4C39743A-969B-42A6-8706-686EE11B4178}"/>
+              </a:ext>
+            </a:extLst>
+          </p:cNvPr>
+          <p:cNvPicPr>
+            <a:picLocks noChangeAspect="1"/>
+          </p:cNvPicPr>
+          <p:nvPr/>
+        </p:nvPicPr>
+        <p:blipFill>
+          <a:blip r:embed="rId3"/>
+          <a:stretch>
+            <a:fillRect/>
+          </a:stretch>
+        </p:blipFill>
+        <p:spPr>
+          <a:xfrm rot="182322">
+            <a:off x="-1162350" y="2003567"/>
+            <a:ext cx="8793903" cy="5241217"/>
+          </a:xfrm>
+          <a:prstGeom prst="rect">
+            <a:avLst/>
+          </a:prstGeom>
         </p:spPr>
       </p:pic>
     </p:spTree>
     <p:extLst>
       <p:ext uri="{BB962C8B-B14F-4D97-AF65-F5344CB8AC3E}">
-        <p14:creationId xmlns:p14="http://schemas.microsoft.com/office/powerpoint/2010/main" val="3721061175"/>
+        <p14:creationId xmlns:p14="http://schemas.microsoft.com/office/powerpoint/2010/main" val="1056594466"/>
       </p:ext>
     </p:extLst>
   </p:cSld>
